--- a/doc/proj_proposal/img/block_diag.pptx
+++ b/doc/proj_proposal/img/block_diag.pptx
@@ -288,7 +288,7 @@
           <a:p>
             <a:fld id="{A8BE66E8-075A-704E-8B72-A5181D50B32C}" type="datetimeFigureOut">
               <a:rPr lang="en-US" smtClean="0"/>
-              <a:t>10/28/14</a:t>
+              <a:t>11/5/14</a:t>
             </a:fld>
             <a:endParaRPr lang="en-US"/>
           </a:p>
@@ -458,7 +458,7 @@
           <a:p>
             <a:fld id="{A8BE66E8-075A-704E-8B72-A5181D50B32C}" type="datetimeFigureOut">
               <a:rPr lang="en-US" smtClean="0"/>
-              <a:t>10/28/14</a:t>
+              <a:t>11/5/14</a:t>
             </a:fld>
             <a:endParaRPr lang="en-US"/>
           </a:p>
@@ -638,7 +638,7 @@
           <a:p>
             <a:fld id="{A8BE66E8-075A-704E-8B72-A5181D50B32C}" type="datetimeFigureOut">
               <a:rPr lang="en-US" smtClean="0"/>
-              <a:t>10/28/14</a:t>
+              <a:t>11/5/14</a:t>
             </a:fld>
             <a:endParaRPr lang="en-US"/>
           </a:p>
@@ -808,7 +808,7 @@
           <a:p>
             <a:fld id="{A8BE66E8-075A-704E-8B72-A5181D50B32C}" type="datetimeFigureOut">
               <a:rPr lang="en-US" smtClean="0"/>
-              <a:t>10/28/14</a:t>
+              <a:t>11/5/14</a:t>
             </a:fld>
             <a:endParaRPr lang="en-US"/>
           </a:p>
@@ -1054,7 +1054,7 @@
           <a:p>
             <a:fld id="{A8BE66E8-075A-704E-8B72-A5181D50B32C}" type="datetimeFigureOut">
               <a:rPr lang="en-US" smtClean="0"/>
-              <a:t>10/28/14</a:t>
+              <a:t>11/5/14</a:t>
             </a:fld>
             <a:endParaRPr lang="en-US"/>
           </a:p>
@@ -1342,7 +1342,7 @@
           <a:p>
             <a:fld id="{A8BE66E8-075A-704E-8B72-A5181D50B32C}" type="datetimeFigureOut">
               <a:rPr lang="en-US" smtClean="0"/>
-              <a:t>10/28/14</a:t>
+              <a:t>11/5/14</a:t>
             </a:fld>
             <a:endParaRPr lang="en-US"/>
           </a:p>
@@ -1764,7 +1764,7 @@
           <a:p>
             <a:fld id="{A8BE66E8-075A-704E-8B72-A5181D50B32C}" type="datetimeFigureOut">
               <a:rPr lang="en-US" smtClean="0"/>
-              <a:t>10/28/14</a:t>
+              <a:t>11/5/14</a:t>
             </a:fld>
             <a:endParaRPr lang="en-US"/>
           </a:p>
@@ -1882,7 +1882,7 @@
           <a:p>
             <a:fld id="{A8BE66E8-075A-704E-8B72-A5181D50B32C}" type="datetimeFigureOut">
               <a:rPr lang="en-US" smtClean="0"/>
-              <a:t>10/28/14</a:t>
+              <a:t>11/5/14</a:t>
             </a:fld>
             <a:endParaRPr lang="en-US"/>
           </a:p>
@@ -1977,7 +1977,7 @@
           <a:p>
             <a:fld id="{A8BE66E8-075A-704E-8B72-A5181D50B32C}" type="datetimeFigureOut">
               <a:rPr lang="en-US" smtClean="0"/>
-              <a:t>10/28/14</a:t>
+              <a:t>11/5/14</a:t>
             </a:fld>
             <a:endParaRPr lang="en-US"/>
           </a:p>
@@ -2254,7 +2254,7 @@
           <a:p>
             <a:fld id="{A8BE66E8-075A-704E-8B72-A5181D50B32C}" type="datetimeFigureOut">
               <a:rPr lang="en-US" smtClean="0"/>
-              <a:t>10/28/14</a:t>
+              <a:t>11/5/14</a:t>
             </a:fld>
             <a:endParaRPr lang="en-US"/>
           </a:p>
@@ -2507,7 +2507,7 @@
           <a:p>
             <a:fld id="{A8BE66E8-075A-704E-8B72-A5181D50B32C}" type="datetimeFigureOut">
               <a:rPr lang="en-US" smtClean="0"/>
-              <a:t>10/28/14</a:t>
+              <a:t>11/5/14</a:t>
             </a:fld>
             <a:endParaRPr lang="en-US"/>
           </a:p>
@@ -2720,7 +2720,7 @@
           <a:p>
             <a:fld id="{A8BE66E8-075A-704E-8B72-A5181D50B32C}" type="datetimeFigureOut">
               <a:rPr lang="en-US" smtClean="0"/>
-              <a:t>10/28/14</a:t>
+              <a:t>11/5/14</a:t>
             </a:fld>
             <a:endParaRPr lang="en-US"/>
           </a:p>
@@ -3322,7 +3322,7 @@
         <p:spPr>
           <a:xfrm>
             <a:off x="2292350" y="3517900"/>
-            <a:ext cx="647700" cy="0"/>
+            <a:ext cx="336550" cy="0"/>
           </a:xfrm>
           <a:prstGeom prst="straightConnector1">
             <a:avLst/>
@@ -3354,7 +3354,7 @@
         </p:nvSpPr>
         <p:spPr>
           <a:xfrm>
-            <a:off x="2940050" y="2933700"/>
+            <a:off x="2628900" y="2946400"/>
             <a:ext cx="1727200" cy="1460500"/>
           </a:xfrm>
           <a:prstGeom prst="rect">
@@ -3397,7 +3397,7 @@
         <p:spPr>
           <a:xfrm>
             <a:off x="533400" y="4165600"/>
-            <a:ext cx="2406650" cy="0"/>
+            <a:ext cx="2095500" cy="0"/>
           </a:xfrm>
           <a:prstGeom prst="straightConnector1">
             <a:avLst/>
@@ -3927,6 +3927,129 @@
             <a:r>
               <a:rPr lang="en-US" dirty="0" smtClean="0"/>
               <a:t>VGA output (projector)</a:t>
+            </a:r>
+            <a:endParaRPr lang="en-US" dirty="0"/>
+          </a:p>
+        </p:txBody>
+      </p:sp>
+      <p:cxnSp>
+        <p:nvCxnSpPr>
+          <p:cNvPr id="6" name="Straight Connector 5"/>
+          <p:cNvCxnSpPr/>
+          <p:nvPr/>
+        </p:nvCxnSpPr>
+        <p:spPr>
+          <a:xfrm flipV="1">
+            <a:off x="355600" y="5546130"/>
+            <a:ext cx="4311650" cy="25400"/>
+          </a:xfrm>
+          <a:prstGeom prst="line">
+            <a:avLst/>
+          </a:prstGeom>
+        </p:spPr>
+        <p:style>
+          <a:lnRef idx="2">
+            <a:schemeClr val="accent1"/>
+          </a:lnRef>
+          <a:fillRef idx="0">
+            <a:schemeClr val="accent1"/>
+          </a:fillRef>
+          <a:effectRef idx="1">
+            <a:schemeClr val="accent1"/>
+          </a:effectRef>
+          <a:fontRef idx="minor">
+            <a:schemeClr val="tx1"/>
+          </a:fontRef>
+        </p:style>
+      </p:cxnSp>
+      <p:cxnSp>
+        <p:nvCxnSpPr>
+          <p:cNvPr id="12" name="Straight Connector 11"/>
+          <p:cNvCxnSpPr/>
+          <p:nvPr/>
+        </p:nvCxnSpPr>
+        <p:spPr>
+          <a:xfrm flipV="1">
+            <a:off x="4667250" y="2946400"/>
+            <a:ext cx="0" cy="2599730"/>
+          </a:xfrm>
+          <a:prstGeom prst="line">
+            <a:avLst/>
+          </a:prstGeom>
+        </p:spPr>
+        <p:style>
+          <a:lnRef idx="2">
+            <a:schemeClr val="accent1"/>
+          </a:lnRef>
+          <a:fillRef idx="0">
+            <a:schemeClr val="accent1"/>
+          </a:fillRef>
+          <a:effectRef idx="1">
+            <a:schemeClr val="accent1"/>
+          </a:effectRef>
+          <a:fontRef idx="minor">
+            <a:schemeClr val="tx1"/>
+          </a:fontRef>
+        </p:style>
+      </p:cxnSp>
+      <p:cxnSp>
+        <p:nvCxnSpPr>
+          <p:cNvPr id="14" name="Straight Arrow Connector 13"/>
+          <p:cNvCxnSpPr/>
+          <p:nvPr/>
+        </p:nvCxnSpPr>
+        <p:spPr>
+          <a:xfrm>
+            <a:off x="4667250" y="2946400"/>
+            <a:ext cx="488950" cy="0"/>
+          </a:xfrm>
+          <a:prstGeom prst="straightConnector1">
+            <a:avLst/>
+          </a:prstGeom>
+          <a:ln>
+            <a:tailEnd type="arrow"/>
+          </a:ln>
+        </p:spPr>
+        <p:style>
+          <a:lnRef idx="2">
+            <a:schemeClr val="accent1"/>
+          </a:lnRef>
+          <a:fillRef idx="0">
+            <a:schemeClr val="accent1"/>
+          </a:fillRef>
+          <a:effectRef idx="1">
+            <a:schemeClr val="accent1"/>
+          </a:effectRef>
+          <a:fontRef idx="minor">
+            <a:schemeClr val="tx1"/>
+          </a:fontRef>
+        </p:style>
+      </p:cxnSp>
+      <p:sp>
+        <p:nvSpPr>
+          <p:cNvPr id="16" name="TextBox 15"/>
+          <p:cNvSpPr txBox="1"/>
+          <p:nvPr/>
+        </p:nvSpPr>
+        <p:spPr>
+          <a:xfrm>
+            <a:off x="190500" y="5680670"/>
+            <a:ext cx="2438400" cy="923330"/>
+          </a:xfrm>
+          <a:prstGeom prst="rect">
+            <a:avLst/>
+          </a:prstGeom>
+          <a:noFill/>
+        </p:spPr>
+        <p:txBody>
+          <a:bodyPr wrap="square" rtlCol="0">
+            <a:spAutoFit/>
+          </a:bodyPr>
+          <a:lstStyle/>
+          <a:p>
+            <a:r>
+              <a:rPr lang="en-US" dirty="0" smtClean="0"/>
+              <a:t>Knob for manual keystone correction (ignored if set to zero)</a:t>
             </a:r>
             <a:endParaRPr lang="en-US" dirty="0"/>
           </a:p>
